--- a/Индивидуальный проект.pptx
+++ b/Индивидуальный проект.pptx
@@ -11,9 +11,10 @@
     <p:sldId id="269" r:id="rId5"/>
     <p:sldId id="266" r:id="rId6"/>
     <p:sldId id="262" r:id="rId7"/>
-    <p:sldId id="263" r:id="rId8"/>
-    <p:sldId id="264" r:id="rId9"/>
-    <p:sldId id="265" r:id="rId10"/>
+    <p:sldId id="270" r:id="rId8"/>
+    <p:sldId id="263" r:id="rId9"/>
+    <p:sldId id="264" r:id="rId10"/>
+    <p:sldId id="265" r:id="rId11"/>
   </p:sldIdLst>
   <p:sldSz cx="12192000" cy="6858000"/>
   <p:notesSz cx="6858000" cy="9144000"/>
@@ -112,6 +113,11 @@
       </a:defRPr>
     </a:lvl9pPr>
   </p:defaultTextStyle>
+  <p:extLst>
+    <p:ext uri="{EFAFB233-063F-42B5-8137-9DF3F51BA10A}">
+      <p15:sldGuideLst xmlns:p15="http://schemas.microsoft.com/office/powerpoint/2012/main"/>
+    </p:ext>
+  </p:extLst>
 </p:presentation>
 </file>
 
@@ -210,7 +216,7 @@
           <a:effectLst/>
           <a:extLst>
             <a:ext uri="{91240B29-F687-4f45-9708-019B960494DF}">
-              <a14:hiddenLine xmlns:a14="http://schemas.microsoft.com/office/drawing/2010/main" xmlns="" w="9525">
+              <a14:hiddenLine xmlns="" xmlns:a14="http://schemas.microsoft.com/office/drawing/2010/main" w="9525">
                 <a:solidFill>
                   <a:srgbClr val="000000"/>
                 </a:solidFill>
@@ -402,7 +408,7 @@
           <a:p>
             <a:fld id="{8108A761-C970-4896-8A3D-82E9A21AFEE7}" type="datetimeFigureOut">
               <a:rPr lang="ru-RU" smtClean="0"/>
-              <a:t>25.02.2025</a:t>
+              <a:t>18.03.2025</a:t>
             </a:fld>
             <a:endParaRPr lang="ru-RU"/>
           </a:p>
@@ -720,7 +726,7 @@
           <a:p>
             <a:fld id="{8108A761-C970-4896-8A3D-82E9A21AFEE7}" type="datetimeFigureOut">
               <a:rPr lang="ru-RU" smtClean="0"/>
-              <a:t>25.02.2025</a:t>
+              <a:t>18.03.2025</a:t>
             </a:fld>
             <a:endParaRPr lang="ru-RU"/>
           </a:p>
@@ -1208,7 +1214,7 @@
           <a:p>
             <a:fld id="{8108A761-C970-4896-8A3D-82E9A21AFEE7}" type="datetimeFigureOut">
               <a:rPr lang="ru-RU" smtClean="0"/>
-              <a:t>25.02.2025</a:t>
+              <a:t>18.03.2025</a:t>
             </a:fld>
             <a:endParaRPr lang="ru-RU"/>
           </a:p>
@@ -1577,7 +1583,7 @@
           <a:p>
             <a:fld id="{8108A761-C970-4896-8A3D-82E9A21AFEE7}" type="datetimeFigureOut">
               <a:rPr lang="ru-RU" smtClean="0"/>
-              <a:t>25.02.2025</a:t>
+              <a:t>18.03.2025</a:t>
             </a:fld>
             <a:endParaRPr lang="ru-RU"/>
           </a:p>
@@ -1732,7 +1738,7 @@
           <a:ln/>
           <a:extLst>
             <a:ext uri="{91240B29-F687-4f45-9708-019B960494DF}">
-              <a14:hiddenLine xmlns:a14="http://schemas.microsoft.com/office/drawing/2010/main" xmlns="" w="9525">
+              <a14:hiddenLine xmlns="" xmlns:a14="http://schemas.microsoft.com/office/drawing/2010/main" w="9525">
                 <a:solidFill>
                   <a:srgbClr val="000000"/>
                 </a:solidFill>
@@ -1850,7 +1856,7 @@
           <a:p>
             <a:fld id="{8108A761-C970-4896-8A3D-82E9A21AFEE7}" type="datetimeFigureOut">
               <a:rPr lang="ru-RU" smtClean="0"/>
-              <a:t>25.02.2025</a:t>
+              <a:t>18.03.2025</a:t>
             </a:fld>
             <a:endParaRPr lang="ru-RU"/>
           </a:p>
@@ -2007,7 +2013,7 @@
           <a:ln/>
           <a:extLst>
             <a:ext uri="{91240B29-F687-4f45-9708-019B960494DF}">
-              <a14:hiddenLine xmlns:a14="http://schemas.microsoft.com/office/drawing/2010/main" xmlns="" w="9525">
+              <a14:hiddenLine xmlns="" xmlns:a14="http://schemas.microsoft.com/office/drawing/2010/main" w="9525">
                 <a:solidFill>
                   <a:srgbClr val="000000"/>
                 </a:solidFill>
@@ -2135,7 +2141,7 @@
           <a:p>
             <a:fld id="{8108A761-C970-4896-8A3D-82E9A21AFEE7}" type="datetimeFigureOut">
               <a:rPr lang="ru-RU" smtClean="0"/>
-              <a:t>25.02.2025</a:t>
+              <a:t>18.03.2025</a:t>
             </a:fld>
             <a:endParaRPr lang="ru-RU"/>
           </a:p>
@@ -2290,7 +2296,7 @@
           <a:ln/>
           <a:extLst>
             <a:ext uri="{91240B29-F687-4f45-9708-019B960494DF}">
-              <a14:hiddenLine xmlns:a14="http://schemas.microsoft.com/office/drawing/2010/main" xmlns="" w="9525">
+              <a14:hiddenLine xmlns="" xmlns:a14="http://schemas.microsoft.com/office/drawing/2010/main" w="9525">
                 <a:solidFill>
                   <a:srgbClr val="000000"/>
                 </a:solidFill>
@@ -2418,7 +2424,7 @@
           <a:p>
             <a:fld id="{8108A761-C970-4896-8A3D-82E9A21AFEE7}" type="datetimeFigureOut">
               <a:rPr lang="ru-RU" smtClean="0"/>
-              <a:t>25.02.2025</a:t>
+              <a:t>18.03.2025</a:t>
             </a:fld>
             <a:endParaRPr lang="ru-RU"/>
           </a:p>
@@ -2761,7 +2767,7 @@
           <a:p>
             <a:fld id="{8108A761-C970-4896-8A3D-82E9A21AFEE7}" type="datetimeFigureOut">
               <a:rPr lang="ru-RU" smtClean="0"/>
-              <a:t>25.02.2025</a:t>
+              <a:t>18.03.2025</a:t>
             </a:fld>
             <a:endParaRPr lang="ru-RU"/>
           </a:p>
@@ -2916,7 +2922,7 @@
           <a:ln/>
           <a:extLst>
             <a:ext uri="{91240B29-F687-4f45-9708-019B960494DF}">
-              <a14:hiddenLine xmlns:a14="http://schemas.microsoft.com/office/drawing/2010/main" xmlns="" w="9525">
+              <a14:hiddenLine xmlns="" xmlns:a14="http://schemas.microsoft.com/office/drawing/2010/main" w="9525">
                 <a:solidFill>
                   <a:srgbClr val="000000"/>
                 </a:solidFill>
@@ -3100,7 +3106,7 @@
           <a:p>
             <a:fld id="{8108A761-C970-4896-8A3D-82E9A21AFEE7}" type="datetimeFigureOut">
               <a:rPr lang="ru-RU" smtClean="0"/>
-              <a:t>25.02.2025</a:t>
+              <a:t>18.03.2025</a:t>
             </a:fld>
             <a:endParaRPr lang="ru-RU"/>
           </a:p>
@@ -3255,7 +3261,7 @@
           <a:ln/>
           <a:extLst>
             <a:ext uri="{91240B29-F687-4f45-9708-019B960494DF}">
-              <a14:hiddenLine xmlns:a14="http://schemas.microsoft.com/office/drawing/2010/main" xmlns="" w="9525">
+              <a14:hiddenLine xmlns="" xmlns:a14="http://schemas.microsoft.com/office/drawing/2010/main" w="9525">
                 <a:solidFill>
                   <a:srgbClr val="000000"/>
                 </a:solidFill>
@@ -3577,7 +3583,7 @@
           <a:p>
             <a:fld id="{8108A761-C970-4896-8A3D-82E9A21AFEE7}" type="datetimeFigureOut">
               <a:rPr lang="ru-RU" smtClean="0"/>
-              <a:t>25.02.2025</a:t>
+              <a:t>18.03.2025</a:t>
             </a:fld>
             <a:endParaRPr lang="ru-RU"/>
           </a:p>
@@ -3732,7 +3738,7 @@
           <a:ln/>
           <a:extLst>
             <a:ext uri="{91240B29-F687-4f45-9708-019B960494DF}">
-              <a14:hiddenLine xmlns:a14="http://schemas.microsoft.com/office/drawing/2010/main" xmlns="" w="9525">
+              <a14:hiddenLine xmlns="" xmlns:a14="http://schemas.microsoft.com/office/drawing/2010/main" w="9525">
                 <a:solidFill>
                   <a:srgbClr val="000000"/>
                 </a:solidFill>
@@ -3798,7 +3804,7 @@
           <a:p>
             <a:fld id="{8108A761-C970-4896-8A3D-82E9A21AFEE7}" type="datetimeFigureOut">
               <a:rPr lang="ru-RU" smtClean="0"/>
-              <a:t>25.02.2025</a:t>
+              <a:t>18.03.2025</a:t>
             </a:fld>
             <a:endParaRPr lang="ru-RU"/>
           </a:p>
@@ -3893,7 +3899,7 @@
           <a:p>
             <a:fld id="{8108A761-C970-4896-8A3D-82E9A21AFEE7}" type="datetimeFigureOut">
               <a:rPr lang="ru-RU" smtClean="0"/>
-              <a:t>25.02.2025</a:t>
+              <a:t>18.03.2025</a:t>
             </a:fld>
             <a:endParaRPr lang="ru-RU"/>
           </a:p>
@@ -4161,7 +4167,7 @@
           <a:ln/>
           <a:extLst>
             <a:ext uri="{91240B29-F687-4f45-9708-019B960494DF}">
-              <a14:hiddenLine xmlns:a14="http://schemas.microsoft.com/office/drawing/2010/main" xmlns="" w="9525">
+              <a14:hiddenLine xmlns="" xmlns:a14="http://schemas.microsoft.com/office/drawing/2010/main" w="9525">
                 <a:solidFill>
                   <a:srgbClr val="000000"/>
                 </a:solidFill>
@@ -4360,7 +4366,7 @@
           <a:p>
             <a:fld id="{8108A761-C970-4896-8A3D-82E9A21AFEE7}" type="datetimeFigureOut">
               <a:rPr lang="ru-RU" smtClean="0"/>
-              <a:t>25.02.2025</a:t>
+              <a:t>18.03.2025</a:t>
             </a:fld>
             <a:endParaRPr lang="ru-RU"/>
           </a:p>
@@ -4673,7 +4679,7 @@
           <a:p>
             <a:fld id="{8108A761-C970-4896-8A3D-82E9A21AFEE7}" type="datetimeFigureOut">
               <a:rPr lang="ru-RU" smtClean="0"/>
-              <a:t>25.02.2025</a:t>
+              <a:t>18.03.2025</a:t>
             </a:fld>
             <a:endParaRPr lang="ru-RU"/>
           </a:p>
@@ -4943,7 +4949,7 @@
           <a:p>
             <a:fld id="{8108A761-C970-4896-8A3D-82E9A21AFEE7}" type="datetimeFigureOut">
               <a:rPr lang="ru-RU" smtClean="0"/>
-              <a:t>25.02.2025</a:t>
+              <a:t>18.03.2025</a:t>
             </a:fld>
             <a:endParaRPr lang="ru-RU"/>
           </a:p>
@@ -5733,6 +5739,187 @@
 </p:sld>
 </file>
 
+<file path=ppt/slides/slide10.xml><?xml version="1.0" encoding="utf-8"?>
+<p:sld xmlns:a="http://schemas.openxmlformats.org/drawingml/2006/main" xmlns:r="http://schemas.openxmlformats.org/officeDocument/2006/relationships" xmlns:p="http://schemas.openxmlformats.org/presentationml/2006/main">
+  <p:cSld>
+    <p:spTree>
+      <p:nvGrpSpPr>
+        <p:cNvPr id="1" name=""/>
+        <p:cNvGrpSpPr/>
+        <p:nvPr/>
+      </p:nvGrpSpPr>
+      <p:grpSpPr>
+        <a:xfrm>
+          <a:off x="0" y="0"/>
+          <a:ext cx="0" cy="0"/>
+          <a:chOff x="0" y="0"/>
+          <a:chExt cx="0" cy="0"/>
+        </a:xfrm>
+      </p:grpSpPr>
+      <p:sp>
+        <p:nvSpPr>
+          <p:cNvPr id="2" name="Заголовок 1">
+            <a:extLst>
+              <a:ext uri="{FF2B5EF4-FFF2-40B4-BE49-F238E27FC236}">
+                <a16:creationId xmlns:a16="http://schemas.microsoft.com/office/drawing/2014/main" id="{0485D9AF-45C0-4135-9359-A524D0673C33}"/>
+              </a:ext>
+            </a:extLst>
+          </p:cNvPr>
+          <p:cNvSpPr>
+            <a:spLocks noGrp="1"/>
+          </p:cNvSpPr>
+          <p:nvPr>
+            <p:ph type="title"/>
+          </p:nvPr>
+        </p:nvSpPr>
+        <p:spPr/>
+        <p:txBody>
+          <a:bodyPr/>
+          <a:lstStyle/>
+          <a:p>
+            <a:r>
+              <a:rPr lang="ru-RU" dirty="0"/>
+              <a:t>Результаты проделанной работы</a:t>
+            </a:r>
+          </a:p>
+        </p:txBody>
+      </p:sp>
+      <p:sp>
+        <p:nvSpPr>
+          <p:cNvPr id="3" name="Объект 2">
+            <a:extLst>
+              <a:ext uri="{FF2B5EF4-FFF2-40B4-BE49-F238E27FC236}">
+                <a16:creationId xmlns:a16="http://schemas.microsoft.com/office/drawing/2014/main" id="{08ACCC21-CD97-4B09-9313-D7D66A96A34E}"/>
+              </a:ext>
+            </a:extLst>
+          </p:cNvPr>
+          <p:cNvSpPr>
+            <a:spLocks noGrp="1"/>
+          </p:cNvSpPr>
+          <p:nvPr>
+            <p:ph idx="1"/>
+          </p:nvPr>
+        </p:nvSpPr>
+        <p:spPr/>
+        <p:txBody>
+          <a:bodyPr/>
+          <a:lstStyle/>
+          <a:p>
+            <a:pPr lvl="1"/>
+            <a:r>
+              <a:rPr lang="ru-RU" sz="2500" dirty="0">
+                <a:latin typeface="Times New Roman" panose="02020603050405020304" pitchFamily="18" charset="0"/>
+                <a:cs typeface="Times New Roman" panose="02020603050405020304" pitchFamily="18" charset="0"/>
+              </a:rPr>
+              <a:t>1. Были изучены </a:t>
+            </a:r>
+            <a:r>
+              <a:rPr lang="ru-RU" sz="2500">
+                <a:latin typeface="Times New Roman" panose="02020603050405020304" pitchFamily="18" charset="0"/>
+                <a:cs typeface="Times New Roman" panose="02020603050405020304" pitchFamily="18" charset="0"/>
+              </a:rPr>
+              <a:t>теор</a:t>
+            </a:r>
+            <a:r>
+              <a:rPr lang="ru-RU" sz="2500" dirty="0">
+                <a:latin typeface="Times New Roman" panose="02020603050405020304" pitchFamily="18" charset="0"/>
+                <a:cs typeface="Times New Roman" panose="02020603050405020304" pitchFamily="18" charset="0"/>
+              </a:rPr>
+              <a:t>е</a:t>
+            </a:r>
+            <a:r>
+              <a:rPr lang="ru-RU" sz="2500">
+                <a:latin typeface="Times New Roman" panose="02020603050405020304" pitchFamily="18" charset="0"/>
+                <a:cs typeface="Times New Roman" panose="02020603050405020304" pitchFamily="18" charset="0"/>
+              </a:rPr>
+              <a:t>тичесике</a:t>
+            </a:r>
+            <a:r>
+              <a:rPr lang="ru-RU" sz="2500" dirty="0">
+                <a:latin typeface="Times New Roman" panose="02020603050405020304" pitchFamily="18" charset="0"/>
+                <a:cs typeface="Times New Roman" panose="02020603050405020304" pitchFamily="18" charset="0"/>
+              </a:rPr>
+              <a:t> материалы о цифровом корне из натурального числа</a:t>
+            </a:r>
+            <a:br>
+              <a:rPr lang="ru-RU" sz="2500" dirty="0">
+                <a:latin typeface="Times New Roman" panose="02020603050405020304" pitchFamily="18" charset="0"/>
+                <a:cs typeface="Times New Roman" panose="02020603050405020304" pitchFamily="18" charset="0"/>
+              </a:rPr>
+            </a:br>
+            <a:r>
+              <a:rPr lang="ru-RU" sz="2500" dirty="0">
+                <a:latin typeface="Times New Roman" panose="02020603050405020304" pitchFamily="18" charset="0"/>
+                <a:cs typeface="Times New Roman" panose="02020603050405020304" pitchFamily="18" charset="0"/>
+              </a:rPr>
+              <a:t>2. Разработан программный код, позволяющий найти цифровой корень</a:t>
+            </a:r>
+            <a:br>
+              <a:rPr lang="ru-RU" sz="2500" dirty="0">
+                <a:latin typeface="Times New Roman" panose="02020603050405020304" pitchFamily="18" charset="0"/>
+                <a:cs typeface="Times New Roman" panose="02020603050405020304" pitchFamily="18" charset="0"/>
+              </a:rPr>
+            </a:br>
+            <a:r>
+              <a:rPr lang="ru-RU" sz="2500" dirty="0">
+                <a:latin typeface="Times New Roman" panose="02020603050405020304" pitchFamily="18" charset="0"/>
+                <a:cs typeface="Times New Roman" panose="02020603050405020304" pitchFamily="18" charset="0"/>
+              </a:rPr>
+              <a:t>3.</a:t>
+            </a:r>
+            <a:r>
+              <a:rPr lang="ru-RU" sz="2500" dirty="0">
+                <a:effectLst/>
+                <a:latin typeface="Times New Roman" panose="02020603050405020304" pitchFamily="18" charset="0"/>
+                <a:ea typeface="Calibri" panose="020F0502020204030204" pitchFamily="34" charset="0"/>
+                <a:cs typeface="Times New Roman" panose="02020603050405020304" pitchFamily="18" charset="0"/>
+              </a:rPr>
+              <a:t>применены современные алгоритмы для вычисления цифрового корня,</a:t>
+            </a:r>
+            <a:br>
+              <a:rPr lang="ru-RU" sz="2500" dirty="0">
+                <a:latin typeface="Times New Roman" panose="02020603050405020304" pitchFamily="18" charset="0"/>
+                <a:cs typeface="Times New Roman" panose="02020603050405020304" pitchFamily="18" charset="0"/>
+              </a:rPr>
+            </a:br>
+            <a:r>
+              <a:rPr lang="ru-RU" sz="2500" dirty="0">
+                <a:latin typeface="Times New Roman" panose="02020603050405020304" pitchFamily="18" charset="0"/>
+                <a:cs typeface="Times New Roman" panose="02020603050405020304" pitchFamily="18" charset="0"/>
+              </a:rPr>
+              <a:t>4.Разработан простой и понятный дизайн</a:t>
+            </a:r>
+            <a:br>
+              <a:rPr lang="ru-RU" dirty="0"/>
+            </a:br>
+            <a:br>
+              <a:rPr lang="ru-RU" dirty="0"/>
+            </a:br>
+            <a:br>
+              <a:rPr lang="ru-RU" sz="1800" dirty="0">
+                <a:effectLst/>
+                <a:latin typeface="Calibri" panose="020F0502020204030204" pitchFamily="34" charset="0"/>
+                <a:ea typeface="Calibri" panose="020F0502020204030204" pitchFamily="34" charset="0"/>
+                <a:cs typeface="Times New Roman" panose="02020603050405020304" pitchFamily="18" charset="0"/>
+              </a:rPr>
+            </a:br>
+            <a:endParaRPr lang="ru-RU" dirty="0"/>
+          </a:p>
+        </p:txBody>
+      </p:sp>
+    </p:spTree>
+    <p:extLst>
+      <p:ext uri="{BB962C8B-B14F-4D97-AF65-F5344CB8AC3E}">
+        <p14:creationId xmlns:p14="http://schemas.microsoft.com/office/powerpoint/2010/main" val="1694945433"/>
+      </p:ext>
+    </p:extLst>
+  </p:cSld>
+  <p:clrMapOvr>
+    <a:masterClrMapping/>
+  </p:clrMapOvr>
+</p:sld>
+</file>
+
 <file path=ppt/slides/slide2.xml><?xml version="1.0" encoding="utf-8"?>
 <p:sld xmlns:a="http://schemas.openxmlformats.org/drawingml/2006/main" xmlns:r="http://schemas.openxmlformats.org/officeDocument/2006/relationships" xmlns:p="http://schemas.openxmlformats.org/presentationml/2006/main">
   <p:cSld>
@@ -7358,7 +7545,7 @@
           <p:cNvPr id="2" name="Заголовок 1">
             <a:extLst>
               <a:ext uri="{FF2B5EF4-FFF2-40B4-BE49-F238E27FC236}">
-                <a16:creationId xmlns:a16="http://schemas.microsoft.com/office/drawing/2014/main" id="{05672516-8F4B-48B2-9836-DF8E9B7E10DA}"/>
+                <a16:creationId xmlns:a16="http://schemas.microsoft.com/office/drawing/2014/main" id="{7CF05798-88B7-45E2-9AD1-9C63D866AF16}"/>
               </a:ext>
             </a:extLst>
           </p:cNvPr>
@@ -7369,284 +7556,82 @@
             <p:ph type="title"/>
           </p:nvPr>
         </p:nvSpPr>
-        <p:spPr>
-          <a:xfrm>
-            <a:off x="1249838" y="400889"/>
-            <a:ext cx="10571998" cy="970450"/>
-          </a:xfrm>
-        </p:spPr>
+        <p:spPr/>
         <p:txBody>
           <a:bodyPr/>
           <a:lstStyle/>
           <a:p>
             <a:r>
-              <a:rPr lang="ru-RU" dirty="0">
-                <a:latin typeface="Times New Roman" panose="02020603050405020304" pitchFamily="18" charset="0"/>
-                <a:cs typeface="Times New Roman" panose="02020603050405020304" pitchFamily="18" charset="0"/>
-              </a:rPr>
-              <a:t>Описание кода</a:t>
-            </a:r>
-          </a:p>
-        </p:txBody>
-      </p:sp>
-      <p:sp>
-        <p:nvSpPr>
-          <p:cNvPr id="3" name="Объект 2">
+              <a:rPr lang="ru-RU" dirty="0"/>
+              <a:t>Структура кода </a:t>
+            </a:r>
+          </a:p>
+        </p:txBody>
+      </p:sp>
+      <p:pic>
+        <p:nvPicPr>
+          <p:cNvPr id="6" name="Рисунок 5">
             <a:extLst>
               <a:ext uri="{FF2B5EF4-FFF2-40B4-BE49-F238E27FC236}">
-                <a16:creationId xmlns:a16="http://schemas.microsoft.com/office/drawing/2014/main" id="{00A3E74B-022C-4D85-B952-F39C62BC37CA}"/>
+                <a16:creationId xmlns:a16="http://schemas.microsoft.com/office/drawing/2014/main" id="{710468A5-36C8-4ABF-B50D-6C0CB11D985A}"/>
               </a:ext>
             </a:extLst>
           </p:cNvPr>
-          <p:cNvSpPr>
-            <a:spLocks noGrp="1"/>
-          </p:cNvSpPr>
-          <p:nvPr>
-            <p:ph idx="1"/>
-          </p:nvPr>
-        </p:nvSpPr>
-        <p:spPr/>
-        <p:txBody>
-          <a:bodyPr/>
-          <a:lstStyle/>
-          <a:p>
-            <a:r>
-              <a:rPr lang="ru-RU" dirty="0">
-                <a:latin typeface="Times New Roman" panose="02020603050405020304" pitchFamily="18" charset="0"/>
-                <a:cs typeface="Times New Roman" panose="02020603050405020304" pitchFamily="18" charset="0"/>
-              </a:rPr>
-              <a:t>1.</a:t>
-            </a:r>
-            <a:r>
-              <a:rPr lang="en-US" dirty="0">
-                <a:latin typeface="Times New Roman" panose="02020603050405020304" pitchFamily="18" charset="0"/>
-                <a:cs typeface="Times New Roman" panose="02020603050405020304" pitchFamily="18" charset="0"/>
-              </a:rPr>
-              <a:t>string input = </a:t>
-            </a:r>
-            <a:r>
-              <a:rPr lang="en-US" dirty="0" err="1">
-                <a:latin typeface="Times New Roman" panose="02020603050405020304" pitchFamily="18" charset="0"/>
-                <a:cs typeface="Times New Roman" panose="02020603050405020304" pitchFamily="18" charset="0"/>
-              </a:rPr>
-              <a:t>Console.ReadLine</a:t>
-            </a:r>
-            <a:r>
-              <a:rPr lang="en-US" dirty="0">
-                <a:latin typeface="Times New Roman" panose="02020603050405020304" pitchFamily="18" charset="0"/>
-                <a:cs typeface="Times New Roman" panose="02020603050405020304" pitchFamily="18" charset="0"/>
-              </a:rPr>
-              <a:t>(); c</a:t>
-            </a:r>
-            <a:r>
-              <a:rPr lang="ru-RU" dirty="0" err="1">
-                <a:latin typeface="Times New Roman" panose="02020603050405020304" pitchFamily="18" charset="0"/>
-                <a:cs typeface="Times New Roman" panose="02020603050405020304" pitchFamily="18" charset="0"/>
-              </a:rPr>
-              <a:t>читывает</a:t>
-            </a:r>
-            <a:r>
-              <a:rPr lang="ru-RU" dirty="0">
-                <a:latin typeface="Times New Roman" panose="02020603050405020304" pitchFamily="18" charset="0"/>
-                <a:cs typeface="Times New Roman" panose="02020603050405020304" pitchFamily="18" charset="0"/>
-              </a:rPr>
-              <a:t> введенное число в виде строки.</a:t>
-            </a:r>
-            <a:br>
-              <a:rPr lang="ru-RU" dirty="0">
-                <a:latin typeface="Times New Roman" panose="02020603050405020304" pitchFamily="18" charset="0"/>
-                <a:cs typeface="Times New Roman" panose="02020603050405020304" pitchFamily="18" charset="0"/>
-              </a:rPr>
-            </a:br>
-            <a:br>
-              <a:rPr lang="en-US" dirty="0">
-                <a:latin typeface="Times New Roman" panose="02020603050405020304" pitchFamily="18" charset="0"/>
-                <a:cs typeface="Times New Roman" panose="02020603050405020304" pitchFamily="18" charset="0"/>
-              </a:rPr>
-            </a:br>
-            <a:r>
-              <a:rPr lang="en-US" dirty="0">
-                <a:latin typeface="Times New Roman" panose="02020603050405020304" pitchFamily="18" charset="0"/>
-                <a:cs typeface="Times New Roman" panose="02020603050405020304" pitchFamily="18" charset="0"/>
-              </a:rPr>
-              <a:t>2. if (</a:t>
-            </a:r>
-            <a:r>
-              <a:rPr lang="en-US" dirty="0" err="1">
-                <a:latin typeface="Times New Roman" panose="02020603050405020304" pitchFamily="18" charset="0"/>
-                <a:cs typeface="Times New Roman" panose="02020603050405020304" pitchFamily="18" charset="0"/>
-              </a:rPr>
-              <a:t>long.TryParse</a:t>
-            </a:r>
-            <a:r>
-              <a:rPr lang="en-US" dirty="0">
-                <a:latin typeface="Times New Roman" panose="02020603050405020304" pitchFamily="18" charset="0"/>
-                <a:cs typeface="Times New Roman" panose="02020603050405020304" pitchFamily="18" charset="0"/>
-              </a:rPr>
-              <a:t>(input, out long number) &amp;&amp; number &gt; 0) </a:t>
-            </a:r>
-            <a:r>
-              <a:rPr lang="ru-RU" dirty="0">
-                <a:latin typeface="Times New Roman" panose="02020603050405020304" pitchFamily="18" charset="0"/>
-                <a:cs typeface="Times New Roman" panose="02020603050405020304" pitchFamily="18" charset="0"/>
-              </a:rPr>
-              <a:t>Проверяет, успешно ли преобразована строка в число типа</a:t>
-            </a:r>
-            <a:r>
-              <a:rPr lang="en-US" dirty="0">
-                <a:latin typeface="Times New Roman" panose="02020603050405020304" pitchFamily="18" charset="0"/>
-                <a:cs typeface="Times New Roman" panose="02020603050405020304" pitchFamily="18" charset="0"/>
-              </a:rPr>
-              <a:t> long </a:t>
-            </a:r>
-            <a:r>
-              <a:rPr lang="ru-RU" dirty="0">
-                <a:latin typeface="Times New Roman" panose="02020603050405020304" pitchFamily="18" charset="0"/>
-                <a:cs typeface="Times New Roman" panose="02020603050405020304" pitchFamily="18" charset="0"/>
-              </a:rPr>
-              <a:t>и больше ли оно нуля.</a:t>
-            </a:r>
-            <a:br>
-              <a:rPr lang="ru-RU" dirty="0">
-                <a:latin typeface="Times New Roman" panose="02020603050405020304" pitchFamily="18" charset="0"/>
-                <a:cs typeface="Times New Roman" panose="02020603050405020304" pitchFamily="18" charset="0"/>
-              </a:rPr>
-            </a:br>
-            <a:br>
-              <a:rPr lang="ru-RU" dirty="0">
-                <a:latin typeface="Times New Roman" panose="02020603050405020304" pitchFamily="18" charset="0"/>
-                <a:cs typeface="Times New Roman" panose="02020603050405020304" pitchFamily="18" charset="0"/>
-              </a:rPr>
-            </a:br>
-            <a:r>
-              <a:rPr lang="ru-RU" dirty="0">
-                <a:latin typeface="Times New Roman" panose="02020603050405020304" pitchFamily="18" charset="0"/>
-                <a:cs typeface="Times New Roman" panose="02020603050405020304" pitchFamily="18" charset="0"/>
-              </a:rPr>
-              <a:t>3.</a:t>
-            </a:r>
-            <a:r>
-              <a:rPr lang="en-US" dirty="0">
-                <a:latin typeface="Times New Roman" panose="02020603050405020304" pitchFamily="18" charset="0"/>
-                <a:cs typeface="Times New Roman" panose="02020603050405020304" pitchFamily="18" charset="0"/>
-              </a:rPr>
-              <a:t> static int </a:t>
-            </a:r>
-            <a:r>
-              <a:rPr lang="en-US" dirty="0" err="1">
-                <a:latin typeface="Times New Roman" panose="02020603050405020304" pitchFamily="18" charset="0"/>
-                <a:cs typeface="Times New Roman" panose="02020603050405020304" pitchFamily="18" charset="0"/>
-              </a:rPr>
-              <a:t>CalculateDigitalRoot</a:t>
-            </a:r>
-            <a:r>
-              <a:rPr lang="en-US" dirty="0">
-                <a:latin typeface="Times New Roman" panose="02020603050405020304" pitchFamily="18" charset="0"/>
-                <a:cs typeface="Times New Roman" panose="02020603050405020304" pitchFamily="18" charset="0"/>
-              </a:rPr>
-              <a:t>(long number)</a:t>
-            </a:r>
-            <a:r>
-              <a:rPr lang="ru-RU" dirty="0">
-                <a:latin typeface="Times New Roman" panose="02020603050405020304" pitchFamily="18" charset="0"/>
-                <a:cs typeface="Times New Roman" panose="02020603050405020304" pitchFamily="18" charset="0"/>
-              </a:rPr>
-              <a:t>	 Метод вычисления цифрового корня путем многократного суммирования цифр до одной.</a:t>
-            </a:r>
-            <a:br>
-              <a:rPr lang="ru-RU" dirty="0">
-                <a:latin typeface="Times New Roman" panose="02020603050405020304" pitchFamily="18" charset="0"/>
-                <a:cs typeface="Times New Roman" panose="02020603050405020304" pitchFamily="18" charset="0"/>
-              </a:rPr>
-            </a:br>
-            <a:br>
-              <a:rPr lang="ru-RU" dirty="0">
-                <a:latin typeface="Times New Roman" panose="02020603050405020304" pitchFamily="18" charset="0"/>
-                <a:cs typeface="Times New Roman" panose="02020603050405020304" pitchFamily="18" charset="0"/>
-              </a:rPr>
-            </a:br>
-            <a:r>
-              <a:rPr lang="ru-RU" dirty="0">
-                <a:latin typeface="Times New Roman" panose="02020603050405020304" pitchFamily="18" charset="0"/>
-                <a:cs typeface="Times New Roman" panose="02020603050405020304" pitchFamily="18" charset="0"/>
-              </a:rPr>
-              <a:t>4.</a:t>
-            </a:r>
-            <a:r>
-              <a:rPr lang="en-US" dirty="0">
-                <a:latin typeface="Times New Roman" panose="02020603050405020304" pitchFamily="18" charset="0"/>
-                <a:cs typeface="Times New Roman" panose="02020603050405020304" pitchFamily="18" charset="0"/>
-              </a:rPr>
-              <a:t> static long </a:t>
-            </a:r>
-            <a:r>
-              <a:rPr lang="en-US" dirty="0" err="1">
-                <a:latin typeface="Times New Roman" panose="02020603050405020304" pitchFamily="18" charset="0"/>
-                <a:cs typeface="Times New Roman" panose="02020603050405020304" pitchFamily="18" charset="0"/>
-              </a:rPr>
-              <a:t>SumOfDigits</a:t>
-            </a:r>
-            <a:r>
-              <a:rPr lang="en-US" dirty="0">
-                <a:latin typeface="Times New Roman" panose="02020603050405020304" pitchFamily="18" charset="0"/>
-                <a:cs typeface="Times New Roman" panose="02020603050405020304" pitchFamily="18" charset="0"/>
-              </a:rPr>
-              <a:t>(long number)</a:t>
-            </a:r>
-            <a:r>
-              <a:rPr lang="ru-RU" dirty="0">
-                <a:latin typeface="Times New Roman" panose="02020603050405020304" pitchFamily="18" charset="0"/>
-                <a:cs typeface="Times New Roman" panose="02020603050405020304" pitchFamily="18" charset="0"/>
-              </a:rPr>
-              <a:t> </a:t>
-            </a:r>
-            <a:r>
-              <a:rPr lang="ru-RU" dirty="0" err="1">
-                <a:latin typeface="Times New Roman" panose="02020603050405020304" pitchFamily="18" charset="0"/>
-                <a:cs typeface="Times New Roman" panose="02020603050405020304" pitchFamily="18" charset="0"/>
-              </a:rPr>
-              <a:t>метод,вычисляющий</a:t>
-            </a:r>
-            <a:r>
-              <a:rPr lang="ru-RU" dirty="0">
-                <a:latin typeface="Times New Roman" panose="02020603050405020304" pitchFamily="18" charset="0"/>
-                <a:cs typeface="Times New Roman" panose="02020603050405020304" pitchFamily="18" charset="0"/>
-              </a:rPr>
-              <a:t> сумму цифр числа.</a:t>
-            </a:r>
-            <a:br>
-              <a:rPr lang="ru-RU" dirty="0">
-                <a:latin typeface="Times New Roman" panose="02020603050405020304" pitchFamily="18" charset="0"/>
-                <a:cs typeface="Times New Roman" panose="02020603050405020304" pitchFamily="18" charset="0"/>
-              </a:rPr>
-            </a:br>
-            <a:br>
-              <a:rPr lang="ru-RU" dirty="0">
-                <a:latin typeface="Times New Roman" panose="02020603050405020304" pitchFamily="18" charset="0"/>
-                <a:cs typeface="Times New Roman" panose="02020603050405020304" pitchFamily="18" charset="0"/>
-              </a:rPr>
-            </a:br>
-            <a:r>
-              <a:rPr lang="en-US" dirty="0">
-                <a:latin typeface="Times New Roman" panose="02020603050405020304" pitchFamily="18" charset="0"/>
-                <a:cs typeface="Times New Roman" panose="02020603050405020304" pitchFamily="18" charset="0"/>
-              </a:rPr>
-              <a:t>5.DigitalRootNumber2(int number)</a:t>
-            </a:r>
-            <a:r>
-              <a:rPr lang="ru-RU" dirty="0">
-                <a:latin typeface="Times New Roman" panose="02020603050405020304" pitchFamily="18" charset="0"/>
-                <a:cs typeface="Times New Roman" panose="02020603050405020304" pitchFamily="18" charset="0"/>
-              </a:rPr>
-              <a:t> вычисляет цифровой корень формулой </a:t>
-            </a:r>
-          </a:p>
-        </p:txBody>
-      </p:sp>
+          <p:cNvPicPr>
+            <a:picLocks noChangeAspect="1"/>
+          </p:cNvPicPr>
+          <p:nvPr/>
+        </p:nvPicPr>
+        <p:blipFill>
+          <a:blip r:embed="rId2"/>
+          <a:stretch>
+            <a:fillRect/>
+          </a:stretch>
+        </p:blipFill>
+        <p:spPr>
+          <a:xfrm>
+            <a:off x="0" y="1905000"/>
+            <a:ext cx="5476875" cy="4953000"/>
+          </a:xfrm>
+          <a:prstGeom prst="rect">
+            <a:avLst/>
+          </a:prstGeom>
+        </p:spPr>
+      </p:pic>
+      <p:pic>
+        <p:nvPicPr>
+          <p:cNvPr id="8" name="Рисунок 7">
+            <a:extLst>
+              <a:ext uri="{FF2B5EF4-FFF2-40B4-BE49-F238E27FC236}">
+                <a16:creationId xmlns:a16="http://schemas.microsoft.com/office/drawing/2014/main" id="{5F5EA318-FDD4-486B-8C47-1970D1753B2F}"/>
+              </a:ext>
+            </a:extLst>
+          </p:cNvPr>
+          <p:cNvPicPr>
+            <a:picLocks noChangeAspect="1"/>
+          </p:cNvPicPr>
+          <p:nvPr/>
+        </p:nvPicPr>
+        <p:blipFill>
+          <a:blip r:embed="rId3"/>
+          <a:stretch>
+            <a:fillRect/>
+          </a:stretch>
+        </p:blipFill>
+        <p:spPr>
+          <a:xfrm>
+            <a:off x="5476875" y="2081024"/>
+            <a:ext cx="6144482" cy="2695951"/>
+          </a:xfrm>
+          <a:prstGeom prst="rect">
+            <a:avLst/>
+          </a:prstGeom>
+        </p:spPr>
+      </p:pic>
     </p:spTree>
     <p:extLst>
       <p:ext uri="{BB962C8B-B14F-4D97-AF65-F5344CB8AC3E}">
-        <p14:creationId xmlns:p14="http://schemas.microsoft.com/office/powerpoint/2010/main" val="892517724"/>
+        <p14:creationId xmlns:p14="http://schemas.microsoft.com/office/powerpoint/2010/main" val="3279809628"/>
       </p:ext>
     </p:extLst>
   </p:cSld>
@@ -7678,6 +7663,326 @@
           <p:cNvPr id="2" name="Заголовок 1">
             <a:extLst>
               <a:ext uri="{FF2B5EF4-FFF2-40B4-BE49-F238E27FC236}">
+                <a16:creationId xmlns:a16="http://schemas.microsoft.com/office/drawing/2014/main" id="{05672516-8F4B-48B2-9836-DF8E9B7E10DA}"/>
+              </a:ext>
+            </a:extLst>
+          </p:cNvPr>
+          <p:cNvSpPr>
+            <a:spLocks noGrp="1"/>
+          </p:cNvSpPr>
+          <p:nvPr>
+            <p:ph type="title"/>
+          </p:nvPr>
+        </p:nvSpPr>
+        <p:spPr>
+          <a:xfrm>
+            <a:off x="1249838" y="400889"/>
+            <a:ext cx="10571998" cy="970450"/>
+          </a:xfrm>
+        </p:spPr>
+        <p:txBody>
+          <a:bodyPr/>
+          <a:lstStyle/>
+          <a:p>
+            <a:r>
+              <a:rPr lang="ru-RU" dirty="0">
+                <a:latin typeface="Times New Roman" panose="02020603050405020304" pitchFamily="18" charset="0"/>
+                <a:cs typeface="Times New Roman" panose="02020603050405020304" pitchFamily="18" charset="0"/>
+              </a:rPr>
+              <a:t>Описание кода</a:t>
+            </a:r>
+          </a:p>
+        </p:txBody>
+      </p:sp>
+      <p:sp>
+        <p:nvSpPr>
+          <p:cNvPr id="3" name="Объект 2">
+            <a:extLst>
+              <a:ext uri="{FF2B5EF4-FFF2-40B4-BE49-F238E27FC236}">
+                <a16:creationId xmlns:a16="http://schemas.microsoft.com/office/drawing/2014/main" id="{00A3E74B-022C-4D85-B952-F39C62BC37CA}"/>
+              </a:ext>
+            </a:extLst>
+          </p:cNvPr>
+          <p:cNvSpPr>
+            <a:spLocks noGrp="1"/>
+          </p:cNvSpPr>
+          <p:nvPr>
+            <p:ph idx="1"/>
+          </p:nvPr>
+        </p:nvSpPr>
+        <p:spPr/>
+        <p:txBody>
+          <a:bodyPr/>
+          <a:lstStyle/>
+          <a:p>
+            <a:r>
+              <a:rPr lang="ru-RU" dirty="0">
+                <a:latin typeface="Times New Roman" panose="02020603050405020304" pitchFamily="18" charset="0"/>
+                <a:cs typeface="Times New Roman" panose="02020603050405020304" pitchFamily="18" charset="0"/>
+              </a:rPr>
+              <a:t>1.</a:t>
+            </a:r>
+            <a:r>
+              <a:rPr lang="en-US" dirty="0">
+                <a:latin typeface="Times New Roman" panose="02020603050405020304" pitchFamily="18" charset="0"/>
+                <a:cs typeface="Times New Roman" panose="02020603050405020304" pitchFamily="18" charset="0"/>
+              </a:rPr>
+              <a:t>String input = </a:t>
+            </a:r>
+            <a:r>
+              <a:rPr lang="en-US" dirty="0" err="1">
+                <a:latin typeface="Times New Roman" panose="02020603050405020304" pitchFamily="18" charset="0"/>
+                <a:cs typeface="Times New Roman" panose="02020603050405020304" pitchFamily="18" charset="0"/>
+              </a:rPr>
+              <a:t>console.Readline</a:t>
+            </a:r>
+            <a:r>
+              <a:rPr lang="en-US" dirty="0">
+                <a:latin typeface="Times New Roman" panose="02020603050405020304" pitchFamily="18" charset="0"/>
+                <a:cs typeface="Times New Roman" panose="02020603050405020304" pitchFamily="18" charset="0"/>
+              </a:rPr>
+              <a:t>(); c</a:t>
+            </a:r>
+            <a:r>
+              <a:rPr lang="ru-RU" dirty="0" err="1">
+                <a:latin typeface="Times New Roman" panose="02020603050405020304" pitchFamily="18" charset="0"/>
+                <a:cs typeface="Times New Roman" panose="02020603050405020304" pitchFamily="18" charset="0"/>
+              </a:rPr>
+              <a:t>читывает</a:t>
+            </a:r>
+            <a:r>
+              <a:rPr lang="ru-RU" dirty="0">
+                <a:latin typeface="Times New Roman" panose="02020603050405020304" pitchFamily="18" charset="0"/>
+                <a:cs typeface="Times New Roman" panose="02020603050405020304" pitchFamily="18" charset="0"/>
+              </a:rPr>
+              <a:t> введенное число в виде строки.</a:t>
+            </a:r>
+            <a:br>
+              <a:rPr lang="ru-RU" dirty="0">
+                <a:latin typeface="Times New Roman" panose="02020603050405020304" pitchFamily="18" charset="0"/>
+                <a:cs typeface="Times New Roman" panose="02020603050405020304" pitchFamily="18" charset="0"/>
+              </a:rPr>
+            </a:br>
+            <a:br>
+              <a:rPr lang="en-US" dirty="0">
+                <a:latin typeface="Times New Roman" panose="02020603050405020304" pitchFamily="18" charset="0"/>
+                <a:cs typeface="Times New Roman" panose="02020603050405020304" pitchFamily="18" charset="0"/>
+              </a:rPr>
+            </a:br>
+            <a:r>
+              <a:rPr lang="en-US" dirty="0">
+                <a:latin typeface="Times New Roman" panose="02020603050405020304" pitchFamily="18" charset="0"/>
+                <a:cs typeface="Times New Roman" panose="02020603050405020304" pitchFamily="18" charset="0"/>
+              </a:rPr>
+              <a:t>2. If (</a:t>
+            </a:r>
+            <a:r>
+              <a:rPr lang="en-US" dirty="0" err="1">
+                <a:latin typeface="Times New Roman" panose="02020603050405020304" pitchFamily="18" charset="0"/>
+                <a:cs typeface="Times New Roman" panose="02020603050405020304" pitchFamily="18" charset="0"/>
+              </a:rPr>
+              <a:t>long.Tryparse</a:t>
+            </a:r>
+            <a:r>
+              <a:rPr lang="en-US" dirty="0">
+                <a:latin typeface="Times New Roman" panose="02020603050405020304" pitchFamily="18" charset="0"/>
+                <a:cs typeface="Times New Roman" panose="02020603050405020304" pitchFamily="18" charset="0"/>
+              </a:rPr>
+              <a:t>(input, out long number) &amp;&amp; number &gt; 0) </a:t>
+            </a:r>
+            <a:r>
+              <a:rPr lang="ru-RU" dirty="0">
+                <a:latin typeface="Times New Roman" panose="02020603050405020304" pitchFamily="18" charset="0"/>
+                <a:cs typeface="Times New Roman" panose="02020603050405020304" pitchFamily="18" charset="0"/>
+              </a:rPr>
+              <a:t>проверяет, успешно ли преобразована строка в число типа</a:t>
+            </a:r>
+            <a:r>
+              <a:rPr lang="en-US" dirty="0">
+                <a:latin typeface="Times New Roman" panose="02020603050405020304" pitchFamily="18" charset="0"/>
+                <a:cs typeface="Times New Roman" panose="02020603050405020304" pitchFamily="18" charset="0"/>
+              </a:rPr>
+              <a:t> long </a:t>
+            </a:r>
+            <a:r>
+              <a:rPr lang="ru-RU" dirty="0">
+                <a:latin typeface="Times New Roman" panose="02020603050405020304" pitchFamily="18" charset="0"/>
+                <a:cs typeface="Times New Roman" panose="02020603050405020304" pitchFamily="18" charset="0"/>
+              </a:rPr>
+              <a:t>и больше ли оно нуля.</a:t>
+            </a:r>
+            <a:br>
+              <a:rPr lang="ru-RU" dirty="0">
+                <a:latin typeface="Times New Roman" panose="02020603050405020304" pitchFamily="18" charset="0"/>
+                <a:cs typeface="Times New Roman" panose="02020603050405020304" pitchFamily="18" charset="0"/>
+              </a:rPr>
+            </a:br>
+            <a:br>
+              <a:rPr lang="ru-RU" dirty="0">
+                <a:latin typeface="Times New Roman" panose="02020603050405020304" pitchFamily="18" charset="0"/>
+                <a:cs typeface="Times New Roman" panose="02020603050405020304" pitchFamily="18" charset="0"/>
+              </a:rPr>
+            </a:br>
+            <a:r>
+              <a:rPr lang="ru-RU" dirty="0">
+                <a:latin typeface="Times New Roman" panose="02020603050405020304" pitchFamily="18" charset="0"/>
+                <a:cs typeface="Times New Roman" panose="02020603050405020304" pitchFamily="18" charset="0"/>
+              </a:rPr>
+              <a:t>3.</a:t>
+            </a:r>
+            <a:r>
+              <a:rPr lang="en-US" dirty="0">
+                <a:latin typeface="Times New Roman" panose="02020603050405020304" pitchFamily="18" charset="0"/>
+                <a:cs typeface="Times New Roman" panose="02020603050405020304" pitchFamily="18" charset="0"/>
+              </a:rPr>
+              <a:t> Static int </a:t>
+            </a:r>
+            <a:r>
+              <a:rPr lang="en-US" dirty="0" err="1">
+                <a:latin typeface="Times New Roman" panose="02020603050405020304" pitchFamily="18" charset="0"/>
+                <a:cs typeface="Times New Roman" panose="02020603050405020304" pitchFamily="18" charset="0"/>
+              </a:rPr>
+              <a:t>calculatedigitalroot</a:t>
+            </a:r>
+            <a:r>
+              <a:rPr lang="en-US" dirty="0">
+                <a:latin typeface="Times New Roman" panose="02020603050405020304" pitchFamily="18" charset="0"/>
+                <a:cs typeface="Times New Roman" panose="02020603050405020304" pitchFamily="18" charset="0"/>
+              </a:rPr>
+              <a:t>(long number)</a:t>
+            </a:r>
+            <a:r>
+              <a:rPr lang="ru-RU" dirty="0">
+                <a:latin typeface="Times New Roman" panose="02020603050405020304" pitchFamily="18" charset="0"/>
+                <a:cs typeface="Times New Roman" panose="02020603050405020304" pitchFamily="18" charset="0"/>
+              </a:rPr>
+              <a:t>	 метод вычисления цифрового корня путем многократного суммирования цифр до одной.</a:t>
+            </a:r>
+            <a:br>
+              <a:rPr lang="ru-RU" dirty="0">
+                <a:latin typeface="Times New Roman" panose="02020603050405020304" pitchFamily="18" charset="0"/>
+                <a:cs typeface="Times New Roman" panose="02020603050405020304" pitchFamily="18" charset="0"/>
+              </a:rPr>
+            </a:br>
+            <a:br>
+              <a:rPr lang="ru-RU" dirty="0">
+                <a:latin typeface="Times New Roman" panose="02020603050405020304" pitchFamily="18" charset="0"/>
+                <a:cs typeface="Times New Roman" panose="02020603050405020304" pitchFamily="18" charset="0"/>
+              </a:rPr>
+            </a:br>
+            <a:r>
+              <a:rPr lang="ru-RU" dirty="0">
+                <a:latin typeface="Times New Roman" panose="02020603050405020304" pitchFamily="18" charset="0"/>
+                <a:cs typeface="Times New Roman" panose="02020603050405020304" pitchFamily="18" charset="0"/>
+              </a:rPr>
+              <a:t>4.</a:t>
+            </a:r>
+            <a:r>
+              <a:rPr lang="en-US" dirty="0">
+                <a:latin typeface="Times New Roman" panose="02020603050405020304" pitchFamily="18" charset="0"/>
+                <a:cs typeface="Times New Roman" panose="02020603050405020304" pitchFamily="18" charset="0"/>
+              </a:rPr>
+              <a:t> Static long </a:t>
+            </a:r>
+            <a:r>
+              <a:rPr lang="en-US" dirty="0" err="1">
+                <a:latin typeface="Times New Roman" panose="02020603050405020304" pitchFamily="18" charset="0"/>
+                <a:cs typeface="Times New Roman" panose="02020603050405020304" pitchFamily="18" charset="0"/>
+              </a:rPr>
+              <a:t>sumofdigits</a:t>
+            </a:r>
+            <a:r>
+              <a:rPr lang="en-US" dirty="0">
+                <a:latin typeface="Times New Roman" panose="02020603050405020304" pitchFamily="18" charset="0"/>
+                <a:cs typeface="Times New Roman" panose="02020603050405020304" pitchFamily="18" charset="0"/>
+              </a:rPr>
+              <a:t>(long number)</a:t>
+            </a:r>
+            <a:r>
+              <a:rPr lang="ru-RU" dirty="0">
+                <a:latin typeface="Times New Roman" panose="02020603050405020304" pitchFamily="18" charset="0"/>
+                <a:cs typeface="Times New Roman" panose="02020603050405020304" pitchFamily="18" charset="0"/>
+              </a:rPr>
+              <a:t> </a:t>
+            </a:r>
+            <a:r>
+              <a:rPr lang="ru-RU" dirty="0" err="1">
+                <a:latin typeface="Times New Roman" panose="02020603050405020304" pitchFamily="18" charset="0"/>
+                <a:cs typeface="Times New Roman" panose="02020603050405020304" pitchFamily="18" charset="0"/>
+              </a:rPr>
+              <a:t>метод,вычисляющий</a:t>
+            </a:r>
+            <a:r>
+              <a:rPr lang="ru-RU" dirty="0">
+                <a:latin typeface="Times New Roman" panose="02020603050405020304" pitchFamily="18" charset="0"/>
+                <a:cs typeface="Times New Roman" panose="02020603050405020304" pitchFamily="18" charset="0"/>
+              </a:rPr>
+              <a:t> сумму цифр числа.</a:t>
+            </a:r>
+            <a:br>
+              <a:rPr lang="ru-RU" dirty="0">
+                <a:latin typeface="Times New Roman" panose="02020603050405020304" pitchFamily="18" charset="0"/>
+                <a:cs typeface="Times New Roman" panose="02020603050405020304" pitchFamily="18" charset="0"/>
+              </a:rPr>
+            </a:br>
+            <a:br>
+              <a:rPr lang="ru-RU" dirty="0">
+                <a:latin typeface="Times New Roman" panose="02020603050405020304" pitchFamily="18" charset="0"/>
+                <a:cs typeface="Times New Roman" panose="02020603050405020304" pitchFamily="18" charset="0"/>
+              </a:rPr>
+            </a:br>
+            <a:r>
+              <a:rPr lang="en-US" dirty="0">
+                <a:latin typeface="Times New Roman" panose="02020603050405020304" pitchFamily="18" charset="0"/>
+                <a:cs typeface="Times New Roman" panose="02020603050405020304" pitchFamily="18" charset="0"/>
+              </a:rPr>
+              <a:t>5.Digitalrootnumber2(int number)</a:t>
+            </a:r>
+            <a:r>
+              <a:rPr lang="ru-RU" dirty="0">
+                <a:latin typeface="Times New Roman" panose="02020603050405020304" pitchFamily="18" charset="0"/>
+                <a:cs typeface="Times New Roman" panose="02020603050405020304" pitchFamily="18" charset="0"/>
+              </a:rPr>
+              <a:t> вычисляет цифровой корень формулой </a:t>
+            </a:r>
+          </a:p>
+        </p:txBody>
+      </p:sp>
+    </p:spTree>
+    <p:extLst>
+      <p:ext uri="{BB962C8B-B14F-4D97-AF65-F5344CB8AC3E}">
+        <p14:creationId xmlns:p14="http://schemas.microsoft.com/office/powerpoint/2010/main" val="892517724"/>
+      </p:ext>
+    </p:extLst>
+  </p:cSld>
+  <p:clrMapOvr>
+    <a:masterClrMapping/>
+  </p:clrMapOvr>
+</p:sld>
+</file>
+
+<file path=ppt/slides/slide9.xml><?xml version="1.0" encoding="utf-8"?>
+<p:sld xmlns:a="http://schemas.openxmlformats.org/drawingml/2006/main" xmlns:r="http://schemas.openxmlformats.org/officeDocument/2006/relationships" xmlns:p="http://schemas.openxmlformats.org/presentationml/2006/main">
+  <p:cSld>
+    <p:spTree>
+      <p:nvGrpSpPr>
+        <p:cNvPr id="1" name=""/>
+        <p:cNvGrpSpPr/>
+        <p:nvPr/>
+      </p:nvGrpSpPr>
+      <p:grpSpPr>
+        <a:xfrm>
+          <a:off x="0" y="0"/>
+          <a:ext cx="0" cy="0"/>
+          <a:chOff x="0" y="0"/>
+          <a:chExt cx="0" cy="0"/>
+        </a:xfrm>
+      </p:grpSpPr>
+      <p:sp>
+        <p:nvSpPr>
+          <p:cNvPr id="2" name="Заголовок 1">
+            <a:extLst>
+              <a:ext uri="{FF2B5EF4-FFF2-40B4-BE49-F238E27FC236}">
                 <a16:creationId xmlns:a16="http://schemas.microsoft.com/office/drawing/2014/main" id="{5F7EDC35-1309-4A20-9766-007C36A281D2}"/>
               </a:ext>
             </a:extLst>
@@ -7731,7 +8036,7 @@
         </p:blipFill>
         <p:spPr>
           <a:xfrm>
-            <a:off x="725534" y="1886673"/>
+            <a:off x="725533" y="1886672"/>
             <a:ext cx="4515480" cy="1333425"/>
           </a:xfrm>
           <a:prstGeom prst="rect">
@@ -7765,7 +8070,7 @@
         </p:blipFill>
         <p:spPr>
           <a:xfrm>
-            <a:off x="725533" y="5026513"/>
+            <a:off x="725533" y="4962513"/>
             <a:ext cx="5370466" cy="1535389"/>
           </a:xfrm>
           <a:prstGeom prst="rect">
@@ -7912,7 +8217,7 @@
         </p:blipFill>
         <p:spPr>
           <a:xfrm>
-            <a:off x="746365" y="3375488"/>
+            <a:off x="725533" y="3304779"/>
             <a:ext cx="5550263" cy="1495634"/>
           </a:xfrm>
           <a:prstGeom prst="rect">
@@ -7969,146 +8274,6 @@
     <p:extLst>
       <p:ext uri="{BB962C8B-B14F-4D97-AF65-F5344CB8AC3E}">
         <p14:creationId xmlns:p14="http://schemas.microsoft.com/office/powerpoint/2010/main" val="3437311427"/>
-      </p:ext>
-    </p:extLst>
-  </p:cSld>
-  <p:clrMapOvr>
-    <a:masterClrMapping/>
-  </p:clrMapOvr>
-</p:sld>
-</file>
-
-<file path=ppt/slides/slide9.xml><?xml version="1.0" encoding="utf-8"?>
-<p:sld xmlns:a="http://schemas.openxmlformats.org/drawingml/2006/main" xmlns:r="http://schemas.openxmlformats.org/officeDocument/2006/relationships" xmlns:p="http://schemas.openxmlformats.org/presentationml/2006/main">
-  <p:cSld>
-    <p:spTree>
-      <p:nvGrpSpPr>
-        <p:cNvPr id="1" name=""/>
-        <p:cNvGrpSpPr/>
-        <p:nvPr/>
-      </p:nvGrpSpPr>
-      <p:grpSpPr>
-        <a:xfrm>
-          <a:off x="0" y="0"/>
-          <a:ext cx="0" cy="0"/>
-          <a:chOff x="0" y="0"/>
-          <a:chExt cx="0" cy="0"/>
-        </a:xfrm>
-      </p:grpSpPr>
-      <p:sp>
-        <p:nvSpPr>
-          <p:cNvPr id="2" name="Заголовок 1">
-            <a:extLst>
-              <a:ext uri="{FF2B5EF4-FFF2-40B4-BE49-F238E27FC236}">
-                <a16:creationId xmlns:a16="http://schemas.microsoft.com/office/drawing/2014/main" id="{0485D9AF-45C0-4135-9359-A524D0673C33}"/>
-              </a:ext>
-            </a:extLst>
-          </p:cNvPr>
-          <p:cNvSpPr>
-            <a:spLocks noGrp="1"/>
-          </p:cNvSpPr>
-          <p:nvPr>
-            <p:ph type="title"/>
-          </p:nvPr>
-        </p:nvSpPr>
-        <p:spPr/>
-        <p:txBody>
-          <a:bodyPr/>
-          <a:lstStyle/>
-          <a:p>
-            <a:r>
-              <a:rPr lang="ru-RU" dirty="0"/>
-              <a:t>Результаты проделанной работы</a:t>
-            </a:r>
-          </a:p>
-        </p:txBody>
-      </p:sp>
-      <p:sp>
-        <p:nvSpPr>
-          <p:cNvPr id="3" name="Объект 2">
-            <a:extLst>
-              <a:ext uri="{FF2B5EF4-FFF2-40B4-BE49-F238E27FC236}">
-                <a16:creationId xmlns:a16="http://schemas.microsoft.com/office/drawing/2014/main" id="{08ACCC21-CD97-4B09-9313-D7D66A96A34E}"/>
-              </a:ext>
-            </a:extLst>
-          </p:cNvPr>
-          <p:cNvSpPr>
-            <a:spLocks noGrp="1"/>
-          </p:cNvSpPr>
-          <p:nvPr>
-            <p:ph idx="1"/>
-          </p:nvPr>
-        </p:nvSpPr>
-        <p:spPr/>
-        <p:txBody>
-          <a:bodyPr/>
-          <a:lstStyle/>
-          <a:p>
-            <a:pPr lvl="1"/>
-            <a:r>
-              <a:rPr lang="ru-RU" dirty="0"/>
-              <a:t>1. Были изучены </a:t>
-            </a:r>
-            <a:r>
-              <a:rPr lang="ru-RU" dirty="0" err="1"/>
-              <a:t>теоретичесике</a:t>
-            </a:r>
-            <a:r>
-              <a:rPr lang="ru-RU" dirty="0"/>
-              <a:t> материалы о цифровом корне из натурального числа</a:t>
-            </a:r>
-            <a:br>
-              <a:rPr lang="ru-RU" dirty="0"/>
-            </a:br>
-            <a:r>
-              <a:rPr lang="ru-RU" dirty="0"/>
-              <a:t>2. Разработан программный код, позволяющий найти цифровой корень</a:t>
-            </a:r>
-            <a:br>
-              <a:rPr lang="ru-RU" dirty="0"/>
-            </a:br>
-            <a:r>
-              <a:rPr lang="ru-RU" dirty="0"/>
-              <a:t>3.</a:t>
-            </a:r>
-            <a:r>
-              <a:rPr lang="ru-RU" sz="1800" dirty="0">
-                <a:effectLst/>
-                <a:latin typeface="Calibri" panose="020F0502020204030204" pitchFamily="34" charset="0"/>
-                <a:ea typeface="Calibri" panose="020F0502020204030204" pitchFamily="34" charset="0"/>
-                <a:cs typeface="Times New Roman" panose="02020603050405020304" pitchFamily="18" charset="0"/>
-              </a:rPr>
-              <a:t>применены современные алгоритмы для вычисления цифрового корня,</a:t>
-            </a:r>
-            <a:br>
-              <a:rPr lang="ru-RU" dirty="0"/>
-            </a:br>
-            <a:r>
-              <a:rPr lang="ru-RU" dirty="0"/>
-              <a:t>4.Разработан простой и понятный дизайн</a:t>
-            </a:r>
-            <a:br>
-              <a:rPr lang="ru-RU" dirty="0"/>
-            </a:br>
-            <a:br>
-              <a:rPr lang="ru-RU" dirty="0"/>
-            </a:br>
-            <a:br>
-              <a:rPr lang="ru-RU" sz="1800" dirty="0">
-                <a:effectLst/>
-                <a:latin typeface="Calibri" panose="020F0502020204030204" pitchFamily="34" charset="0"/>
-                <a:ea typeface="Calibri" panose="020F0502020204030204" pitchFamily="34" charset="0"/>
-                <a:cs typeface="Times New Roman" panose="02020603050405020304" pitchFamily="18" charset="0"/>
-              </a:rPr>
-            </a:br>
-            <a:endParaRPr lang="ru-RU" dirty="0"/>
-          </a:p>
-        </p:txBody>
-      </p:sp>
-    </p:spTree>
-    <p:extLst>
-      <p:ext uri="{BB962C8B-B14F-4D97-AF65-F5344CB8AC3E}">
-        <p14:creationId xmlns:p14="http://schemas.microsoft.com/office/powerpoint/2010/main" val="1694945433"/>
       </p:ext>
     </p:extLst>
   </p:cSld>
